--- a/Buttons.pptx
+++ b/Buttons.pptx
@@ -104,6 +104,11 @@
       </a:defRPr>
     </a:lvl9pPr>
   </p:defaultTextStyle>
+  <p:extLst>
+    <p:ext uri="{EFAFB233-063F-42B5-8137-9DF3F51BA10A}">
+      <p15:sldGuideLst xmlns:p15="http://schemas.microsoft.com/office/powerpoint/2012/main"/>
+    </p:ext>
+  </p:extLst>
 </p:presentation>
 </file>
 
@@ -149,7 +154,7 @@
           </a:lstStyle>
           <a:p>
             <a:r>
-              <a:rPr lang="en-US" smtClean="0"/>
+              <a:rPr lang="en-US"/>
               <a:t>Click to edit Master title style</a:t>
             </a:r>
             <a:endParaRPr lang="en-GB"/>
@@ -214,7 +219,7 @@
           </a:lstStyle>
           <a:p>
             <a:r>
-              <a:rPr lang="en-US" smtClean="0"/>
+              <a:rPr lang="en-US"/>
               <a:t>Click to edit Master subtitle style</a:t>
             </a:r>
             <a:endParaRPr lang="en-GB"/>
@@ -238,7 +243,7 @@
           <a:p>
             <a:fld id="{36BDEF28-79A5-4744-9041-CD01B9D10F50}" type="datetimeFigureOut">
               <a:rPr lang="en-GB" smtClean="0"/>
-              <a:t>08/03/2019</a:t>
+              <a:t>10/03/2019</a:t>
             </a:fld>
             <a:endParaRPr lang="en-GB"/>
           </a:p>
@@ -332,7 +337,7 @@
           <a:lstStyle/>
           <a:p>
             <a:r>
-              <a:rPr lang="en-US" smtClean="0"/>
+              <a:rPr lang="en-US"/>
               <a:t>Click to edit Master title style</a:t>
             </a:r>
             <a:endParaRPr lang="en-GB"/>
@@ -356,35 +361,35 @@
           <a:p>
             <a:pPr lvl="0"/>
             <a:r>
-              <a:rPr lang="en-US" smtClean="0"/>
+              <a:rPr lang="en-US"/>
               <a:t>Click to edit Master text styles</a:t>
             </a:r>
           </a:p>
           <a:p>
             <a:pPr lvl="1"/>
             <a:r>
-              <a:rPr lang="en-US" smtClean="0"/>
+              <a:rPr lang="en-US"/>
               <a:t>Second level</a:t>
             </a:r>
           </a:p>
           <a:p>
             <a:pPr lvl="2"/>
             <a:r>
-              <a:rPr lang="en-US" smtClean="0"/>
+              <a:rPr lang="en-US"/>
               <a:t>Third level</a:t>
             </a:r>
           </a:p>
           <a:p>
             <a:pPr lvl="3"/>
             <a:r>
-              <a:rPr lang="en-US" smtClean="0"/>
+              <a:rPr lang="en-US"/>
               <a:t>Fourth level</a:t>
             </a:r>
           </a:p>
           <a:p>
             <a:pPr lvl="4"/>
             <a:r>
-              <a:rPr lang="en-US" smtClean="0"/>
+              <a:rPr lang="en-US"/>
               <a:t>Fifth level</a:t>
             </a:r>
             <a:endParaRPr lang="en-GB"/>
@@ -408,7 +413,7 @@
           <a:p>
             <a:fld id="{36BDEF28-79A5-4744-9041-CD01B9D10F50}" type="datetimeFigureOut">
               <a:rPr lang="en-GB" smtClean="0"/>
-              <a:t>08/03/2019</a:t>
+              <a:t>10/03/2019</a:t>
             </a:fld>
             <a:endParaRPr lang="en-GB"/>
           </a:p>
@@ -507,7 +512,7 @@
           <a:lstStyle/>
           <a:p>
             <a:r>
-              <a:rPr lang="en-US" smtClean="0"/>
+              <a:rPr lang="en-US"/>
               <a:t>Click to edit Master title style</a:t>
             </a:r>
             <a:endParaRPr lang="en-GB"/>
@@ -536,35 +541,35 @@
           <a:p>
             <a:pPr lvl="0"/>
             <a:r>
-              <a:rPr lang="en-US" smtClean="0"/>
+              <a:rPr lang="en-US"/>
               <a:t>Click to edit Master text styles</a:t>
             </a:r>
           </a:p>
           <a:p>
             <a:pPr lvl="1"/>
             <a:r>
-              <a:rPr lang="en-US" smtClean="0"/>
+              <a:rPr lang="en-US"/>
               <a:t>Second level</a:t>
             </a:r>
           </a:p>
           <a:p>
             <a:pPr lvl="2"/>
             <a:r>
-              <a:rPr lang="en-US" smtClean="0"/>
+              <a:rPr lang="en-US"/>
               <a:t>Third level</a:t>
             </a:r>
           </a:p>
           <a:p>
             <a:pPr lvl="3"/>
             <a:r>
-              <a:rPr lang="en-US" smtClean="0"/>
+              <a:rPr lang="en-US"/>
               <a:t>Fourth level</a:t>
             </a:r>
           </a:p>
           <a:p>
             <a:pPr lvl="4"/>
             <a:r>
-              <a:rPr lang="en-US" smtClean="0"/>
+              <a:rPr lang="en-US"/>
               <a:t>Fifth level</a:t>
             </a:r>
             <a:endParaRPr lang="en-GB"/>
@@ -588,7 +593,7 @@
           <a:p>
             <a:fld id="{36BDEF28-79A5-4744-9041-CD01B9D10F50}" type="datetimeFigureOut">
               <a:rPr lang="en-GB" smtClean="0"/>
-              <a:t>08/03/2019</a:t>
+              <a:t>10/03/2019</a:t>
             </a:fld>
             <a:endParaRPr lang="en-GB"/>
           </a:p>
@@ -682,7 +687,7 @@
           <a:lstStyle/>
           <a:p>
             <a:r>
-              <a:rPr lang="en-US" smtClean="0"/>
+              <a:rPr lang="en-US"/>
               <a:t>Click to edit Master title style</a:t>
             </a:r>
             <a:endParaRPr lang="en-GB"/>
@@ -706,35 +711,35 @@
           <a:p>
             <a:pPr lvl="0"/>
             <a:r>
-              <a:rPr lang="en-US" smtClean="0"/>
+              <a:rPr lang="en-US"/>
               <a:t>Click to edit Master text styles</a:t>
             </a:r>
           </a:p>
           <a:p>
             <a:pPr lvl="1"/>
             <a:r>
-              <a:rPr lang="en-US" smtClean="0"/>
+              <a:rPr lang="en-US"/>
               <a:t>Second level</a:t>
             </a:r>
           </a:p>
           <a:p>
             <a:pPr lvl="2"/>
             <a:r>
-              <a:rPr lang="en-US" smtClean="0"/>
+              <a:rPr lang="en-US"/>
               <a:t>Third level</a:t>
             </a:r>
           </a:p>
           <a:p>
             <a:pPr lvl="3"/>
             <a:r>
-              <a:rPr lang="en-US" smtClean="0"/>
+              <a:rPr lang="en-US"/>
               <a:t>Fourth level</a:t>
             </a:r>
           </a:p>
           <a:p>
             <a:pPr lvl="4"/>
             <a:r>
-              <a:rPr lang="en-US" smtClean="0"/>
+              <a:rPr lang="en-US"/>
               <a:t>Fifth level</a:t>
             </a:r>
             <a:endParaRPr lang="en-GB"/>
@@ -758,7 +763,7 @@
           <a:p>
             <a:fld id="{36BDEF28-79A5-4744-9041-CD01B9D10F50}" type="datetimeFigureOut">
               <a:rPr lang="en-GB" smtClean="0"/>
-              <a:t>08/03/2019</a:t>
+              <a:t>10/03/2019</a:t>
             </a:fld>
             <a:endParaRPr lang="en-GB"/>
           </a:p>
@@ -861,7 +866,7 @@
           </a:lstStyle>
           <a:p>
             <a:r>
-              <a:rPr lang="en-US" smtClean="0"/>
+              <a:rPr lang="en-US"/>
               <a:t>Click to edit Master title style</a:t>
             </a:r>
             <a:endParaRPr lang="en-GB"/>
@@ -981,7 +986,7 @@
           <a:p>
             <a:pPr lvl="0"/>
             <a:r>
-              <a:rPr lang="en-US" smtClean="0"/>
+              <a:rPr lang="en-US"/>
               <a:t>Click to edit Master text styles</a:t>
             </a:r>
           </a:p>
@@ -1004,7 +1009,7 @@
           <a:p>
             <a:fld id="{36BDEF28-79A5-4744-9041-CD01B9D10F50}" type="datetimeFigureOut">
               <a:rPr lang="en-GB" smtClean="0"/>
-              <a:t>08/03/2019</a:t>
+              <a:t>10/03/2019</a:t>
             </a:fld>
             <a:endParaRPr lang="en-GB"/>
           </a:p>
@@ -1098,7 +1103,7 @@
           <a:lstStyle/>
           <a:p>
             <a:r>
-              <a:rPr lang="en-US" smtClean="0"/>
+              <a:rPr lang="en-US"/>
               <a:t>Click to edit Master title style</a:t>
             </a:r>
             <a:endParaRPr lang="en-GB"/>
@@ -1127,35 +1132,35 @@
           <a:p>
             <a:pPr lvl="0"/>
             <a:r>
-              <a:rPr lang="en-US" smtClean="0"/>
+              <a:rPr lang="en-US"/>
               <a:t>Click to edit Master text styles</a:t>
             </a:r>
           </a:p>
           <a:p>
             <a:pPr lvl="1"/>
             <a:r>
-              <a:rPr lang="en-US" smtClean="0"/>
+              <a:rPr lang="en-US"/>
               <a:t>Second level</a:t>
             </a:r>
           </a:p>
           <a:p>
             <a:pPr lvl="2"/>
             <a:r>
-              <a:rPr lang="en-US" smtClean="0"/>
+              <a:rPr lang="en-US"/>
               <a:t>Third level</a:t>
             </a:r>
           </a:p>
           <a:p>
             <a:pPr lvl="3"/>
             <a:r>
-              <a:rPr lang="en-US" smtClean="0"/>
+              <a:rPr lang="en-US"/>
               <a:t>Fourth level</a:t>
             </a:r>
           </a:p>
           <a:p>
             <a:pPr lvl="4"/>
             <a:r>
-              <a:rPr lang="en-US" smtClean="0"/>
+              <a:rPr lang="en-US"/>
               <a:t>Fifth level</a:t>
             </a:r>
             <a:endParaRPr lang="en-GB"/>
@@ -1184,35 +1189,35 @@
           <a:p>
             <a:pPr lvl="0"/>
             <a:r>
-              <a:rPr lang="en-US" smtClean="0"/>
+              <a:rPr lang="en-US"/>
               <a:t>Click to edit Master text styles</a:t>
             </a:r>
           </a:p>
           <a:p>
             <a:pPr lvl="1"/>
             <a:r>
-              <a:rPr lang="en-US" smtClean="0"/>
+              <a:rPr lang="en-US"/>
               <a:t>Second level</a:t>
             </a:r>
           </a:p>
           <a:p>
             <a:pPr lvl="2"/>
             <a:r>
-              <a:rPr lang="en-US" smtClean="0"/>
+              <a:rPr lang="en-US"/>
               <a:t>Third level</a:t>
             </a:r>
           </a:p>
           <a:p>
             <a:pPr lvl="3"/>
             <a:r>
-              <a:rPr lang="en-US" smtClean="0"/>
+              <a:rPr lang="en-US"/>
               <a:t>Fourth level</a:t>
             </a:r>
           </a:p>
           <a:p>
             <a:pPr lvl="4"/>
             <a:r>
-              <a:rPr lang="en-US" smtClean="0"/>
+              <a:rPr lang="en-US"/>
               <a:t>Fifth level</a:t>
             </a:r>
             <a:endParaRPr lang="en-GB"/>
@@ -1236,7 +1241,7 @@
           <a:p>
             <a:fld id="{36BDEF28-79A5-4744-9041-CD01B9D10F50}" type="datetimeFigureOut">
               <a:rPr lang="en-GB" smtClean="0"/>
-              <a:t>08/03/2019</a:t>
+              <a:t>10/03/2019</a:t>
             </a:fld>
             <a:endParaRPr lang="en-GB"/>
           </a:p>
@@ -1335,7 +1340,7 @@
           <a:lstStyle/>
           <a:p>
             <a:r>
-              <a:rPr lang="en-US" smtClean="0"/>
+              <a:rPr lang="en-US"/>
               <a:t>Click to edit Master title style</a:t>
             </a:r>
             <a:endParaRPr lang="en-GB"/>
@@ -1401,7 +1406,7 @@
           <a:p>
             <a:pPr lvl="0"/>
             <a:r>
-              <a:rPr lang="en-US" smtClean="0"/>
+              <a:rPr lang="en-US"/>
               <a:t>Click to edit Master text styles</a:t>
             </a:r>
           </a:p>
@@ -1429,35 +1434,35 @@
           <a:p>
             <a:pPr lvl="0"/>
             <a:r>
-              <a:rPr lang="en-US" smtClean="0"/>
+              <a:rPr lang="en-US"/>
               <a:t>Click to edit Master text styles</a:t>
             </a:r>
           </a:p>
           <a:p>
             <a:pPr lvl="1"/>
             <a:r>
-              <a:rPr lang="en-US" smtClean="0"/>
+              <a:rPr lang="en-US"/>
               <a:t>Second level</a:t>
             </a:r>
           </a:p>
           <a:p>
             <a:pPr lvl="2"/>
             <a:r>
-              <a:rPr lang="en-US" smtClean="0"/>
+              <a:rPr lang="en-US"/>
               <a:t>Third level</a:t>
             </a:r>
           </a:p>
           <a:p>
             <a:pPr lvl="3"/>
             <a:r>
-              <a:rPr lang="en-US" smtClean="0"/>
+              <a:rPr lang="en-US"/>
               <a:t>Fourth level</a:t>
             </a:r>
           </a:p>
           <a:p>
             <a:pPr lvl="4"/>
             <a:r>
-              <a:rPr lang="en-US" smtClean="0"/>
+              <a:rPr lang="en-US"/>
               <a:t>Fifth level</a:t>
             </a:r>
             <a:endParaRPr lang="en-GB"/>
@@ -1523,7 +1528,7 @@
           <a:p>
             <a:pPr lvl="0"/>
             <a:r>
-              <a:rPr lang="en-US" smtClean="0"/>
+              <a:rPr lang="en-US"/>
               <a:t>Click to edit Master text styles</a:t>
             </a:r>
           </a:p>
@@ -1551,35 +1556,35 @@
           <a:p>
             <a:pPr lvl="0"/>
             <a:r>
-              <a:rPr lang="en-US" smtClean="0"/>
+              <a:rPr lang="en-US"/>
               <a:t>Click to edit Master text styles</a:t>
             </a:r>
           </a:p>
           <a:p>
             <a:pPr lvl="1"/>
             <a:r>
-              <a:rPr lang="en-US" smtClean="0"/>
+              <a:rPr lang="en-US"/>
               <a:t>Second level</a:t>
             </a:r>
           </a:p>
           <a:p>
             <a:pPr lvl="2"/>
             <a:r>
-              <a:rPr lang="en-US" smtClean="0"/>
+              <a:rPr lang="en-US"/>
               <a:t>Third level</a:t>
             </a:r>
           </a:p>
           <a:p>
             <a:pPr lvl="3"/>
             <a:r>
-              <a:rPr lang="en-US" smtClean="0"/>
+              <a:rPr lang="en-US"/>
               <a:t>Fourth level</a:t>
             </a:r>
           </a:p>
           <a:p>
             <a:pPr lvl="4"/>
             <a:r>
-              <a:rPr lang="en-US" smtClean="0"/>
+              <a:rPr lang="en-US"/>
               <a:t>Fifth level</a:t>
             </a:r>
             <a:endParaRPr lang="en-GB"/>
@@ -1603,7 +1608,7 @@
           <a:p>
             <a:fld id="{36BDEF28-79A5-4744-9041-CD01B9D10F50}" type="datetimeFigureOut">
               <a:rPr lang="en-GB" smtClean="0"/>
-              <a:t>08/03/2019</a:t>
+              <a:t>10/03/2019</a:t>
             </a:fld>
             <a:endParaRPr lang="en-GB"/>
           </a:p>
@@ -1697,7 +1702,7 @@
           <a:lstStyle/>
           <a:p>
             <a:r>
-              <a:rPr lang="en-US" smtClean="0"/>
+              <a:rPr lang="en-US"/>
               <a:t>Click to edit Master title style</a:t>
             </a:r>
             <a:endParaRPr lang="en-GB"/>
@@ -1721,7 +1726,7 @@
           <a:p>
             <a:fld id="{36BDEF28-79A5-4744-9041-CD01B9D10F50}" type="datetimeFigureOut">
               <a:rPr lang="en-GB" smtClean="0"/>
-              <a:t>08/03/2019</a:t>
+              <a:t>10/03/2019</a:t>
             </a:fld>
             <a:endParaRPr lang="en-GB"/>
           </a:p>
@@ -1816,7 +1821,7 @@
           <a:p>
             <a:fld id="{36BDEF28-79A5-4744-9041-CD01B9D10F50}" type="datetimeFigureOut">
               <a:rPr lang="en-GB" smtClean="0"/>
-              <a:t>08/03/2019</a:t>
+              <a:t>10/03/2019</a:t>
             </a:fld>
             <a:endParaRPr lang="en-GB"/>
           </a:p>
@@ -1919,7 +1924,7 @@
           </a:lstStyle>
           <a:p>
             <a:r>
-              <a:rPr lang="en-US" smtClean="0"/>
+              <a:rPr lang="en-US"/>
               <a:t>Click to edit Master title style</a:t>
             </a:r>
             <a:endParaRPr lang="en-GB"/>
@@ -1976,35 +1981,35 @@
           <a:p>
             <a:pPr lvl="0"/>
             <a:r>
-              <a:rPr lang="en-US" smtClean="0"/>
+              <a:rPr lang="en-US"/>
               <a:t>Click to edit Master text styles</a:t>
             </a:r>
           </a:p>
           <a:p>
             <a:pPr lvl="1"/>
             <a:r>
-              <a:rPr lang="en-US" smtClean="0"/>
+              <a:rPr lang="en-US"/>
               <a:t>Second level</a:t>
             </a:r>
           </a:p>
           <a:p>
             <a:pPr lvl="2"/>
             <a:r>
-              <a:rPr lang="en-US" smtClean="0"/>
+              <a:rPr lang="en-US"/>
               <a:t>Third level</a:t>
             </a:r>
           </a:p>
           <a:p>
             <a:pPr lvl="3"/>
             <a:r>
-              <a:rPr lang="en-US" smtClean="0"/>
+              <a:rPr lang="en-US"/>
               <a:t>Fourth level</a:t>
             </a:r>
           </a:p>
           <a:p>
             <a:pPr lvl="4"/>
             <a:r>
-              <a:rPr lang="en-US" smtClean="0"/>
+              <a:rPr lang="en-US"/>
               <a:t>Fifth level</a:t>
             </a:r>
             <a:endParaRPr lang="en-GB"/>
@@ -2070,7 +2075,7 @@
           <a:p>
             <a:pPr lvl="0"/>
             <a:r>
-              <a:rPr lang="en-US" smtClean="0"/>
+              <a:rPr lang="en-US"/>
               <a:t>Click to edit Master text styles</a:t>
             </a:r>
           </a:p>
@@ -2093,7 +2098,7 @@
           <a:p>
             <a:fld id="{36BDEF28-79A5-4744-9041-CD01B9D10F50}" type="datetimeFigureOut">
               <a:rPr lang="en-GB" smtClean="0"/>
-              <a:t>08/03/2019</a:t>
+              <a:t>10/03/2019</a:t>
             </a:fld>
             <a:endParaRPr lang="en-GB"/>
           </a:p>
@@ -2196,7 +2201,7 @@
           </a:lstStyle>
           <a:p>
             <a:r>
-              <a:rPr lang="en-US" smtClean="0"/>
+              <a:rPr lang="en-US"/>
               <a:t>Click to edit Master title style</a:t>
             </a:r>
             <a:endParaRPr lang="en-GB"/>
@@ -2323,7 +2328,7 @@
           <a:p>
             <a:pPr lvl="0"/>
             <a:r>
-              <a:rPr lang="en-US" smtClean="0"/>
+              <a:rPr lang="en-US"/>
               <a:t>Click to edit Master text styles</a:t>
             </a:r>
           </a:p>
@@ -2346,7 +2351,7 @@
           <a:p>
             <a:fld id="{36BDEF28-79A5-4744-9041-CD01B9D10F50}" type="datetimeFigureOut">
               <a:rPr lang="en-GB" smtClean="0"/>
-              <a:t>08/03/2019</a:t>
+              <a:t>10/03/2019</a:t>
             </a:fld>
             <a:endParaRPr lang="en-GB"/>
           </a:p>
@@ -2455,7 +2460,7 @@
           <a:lstStyle/>
           <a:p>
             <a:r>
-              <a:rPr lang="en-US" smtClean="0"/>
+              <a:rPr lang="en-US"/>
               <a:t>Click to edit Master title style</a:t>
             </a:r>
             <a:endParaRPr lang="en-GB"/>
@@ -2489,35 +2494,35 @@
           <a:p>
             <a:pPr lvl="0"/>
             <a:r>
-              <a:rPr lang="en-US" smtClean="0"/>
+              <a:rPr lang="en-US"/>
               <a:t>Click to edit Master text styles</a:t>
             </a:r>
           </a:p>
           <a:p>
             <a:pPr lvl="1"/>
             <a:r>
-              <a:rPr lang="en-US" smtClean="0"/>
+              <a:rPr lang="en-US"/>
               <a:t>Second level</a:t>
             </a:r>
           </a:p>
           <a:p>
             <a:pPr lvl="2"/>
             <a:r>
-              <a:rPr lang="en-US" smtClean="0"/>
+              <a:rPr lang="en-US"/>
               <a:t>Third level</a:t>
             </a:r>
           </a:p>
           <a:p>
             <a:pPr lvl="3"/>
             <a:r>
-              <a:rPr lang="en-US" smtClean="0"/>
+              <a:rPr lang="en-US"/>
               <a:t>Fourth level</a:t>
             </a:r>
           </a:p>
           <a:p>
             <a:pPr lvl="4"/>
             <a:r>
-              <a:rPr lang="en-US" smtClean="0"/>
+              <a:rPr lang="en-US"/>
               <a:t>Fifth level</a:t>
             </a:r>
             <a:endParaRPr lang="en-GB"/>
@@ -2559,7 +2564,7 @@
           <a:p>
             <a:fld id="{36BDEF28-79A5-4744-9041-CD01B9D10F50}" type="datetimeFigureOut">
               <a:rPr lang="en-GB" smtClean="0"/>
-              <a:t>08/03/2019</a:t>
+              <a:t>10/03/2019</a:t>
             </a:fld>
             <a:endParaRPr lang="en-GB"/>
           </a:p>
@@ -2986,8 +2991,8 @@
         </p:blipFill>
         <p:spPr>
           <a:xfrm>
-            <a:off x="799517" y="619709"/>
-            <a:ext cx="1909471" cy="1905000"/>
+            <a:off x="799517" y="714156"/>
+            <a:ext cx="1909471" cy="1716106"/>
           </a:xfrm>
           <a:prstGeom prst="roundRect">
             <a:avLst>
@@ -3129,7 +3134,7 @@
           <p:nvPr/>
         </p:nvPicPr>
         <p:blipFill>
-          <a:blip r:embed="rId2">
+          <a:blip r:embed="rId5">
             <a:extLst>
               <a:ext uri="{28A0092B-C50C-407E-A947-70E740481C1C}">
                 <a14:useLocalDpi xmlns:a14="http://schemas.microsoft.com/office/drawing/2010/main" val="0"/>
@@ -3170,6 +3175,41 @@
               <a:srgbClr val="969696"/>
             </a:contourClr>
           </a:sp3d>
+        </p:spPr>
+      </p:pic>
+      <p:pic>
+        <p:nvPicPr>
+          <p:cNvPr id="3" name="Picture 2">
+            <a:extLst>
+              <a:ext uri="{FF2B5EF4-FFF2-40B4-BE49-F238E27FC236}">
+                <a16:creationId xmlns:a16="http://schemas.microsoft.com/office/drawing/2014/main" id="{AD53107F-795F-4D59-A2F2-AA7A642A5FBB}"/>
+              </a:ext>
+            </a:extLst>
+          </p:cNvPr>
+          <p:cNvPicPr>
+            <a:picLocks noChangeAspect="1"/>
+          </p:cNvPicPr>
+          <p:nvPr/>
+        </p:nvPicPr>
+        <p:blipFill rotWithShape="1">
+          <a:blip r:embed="rId6">
+            <a:extLst>
+              <a:ext uri="{28A0092B-C50C-407E-A947-70E740481C1C}">
+                <a14:useLocalDpi xmlns:a14="http://schemas.microsoft.com/office/drawing/2010/main" val="0"/>
+              </a:ext>
+            </a:extLst>
+          </a:blip>
+          <a:srcRect r="63423"/>
+          <a:stretch/>
+        </p:blipFill>
+        <p:spPr>
+          <a:xfrm>
+            <a:off x="7542853" y="2129859"/>
+            <a:ext cx="637761" cy="1917355"/>
+          </a:xfrm>
+          <a:prstGeom prst="rect">
+            <a:avLst/>
+          </a:prstGeom>
         </p:spPr>
       </p:pic>
     </p:spTree>

--- a/Buttons.pptx
+++ b/Buttons.pptx
@@ -243,7 +243,7 @@
           <a:p>
             <a:fld id="{36BDEF28-79A5-4744-9041-CD01B9D10F50}" type="datetimeFigureOut">
               <a:rPr lang="en-GB" smtClean="0"/>
-              <a:t>10/03/2019</a:t>
+              <a:t>09/05/2019</a:t>
             </a:fld>
             <a:endParaRPr lang="en-GB"/>
           </a:p>
@@ -413,7 +413,7 @@
           <a:p>
             <a:fld id="{36BDEF28-79A5-4744-9041-CD01B9D10F50}" type="datetimeFigureOut">
               <a:rPr lang="en-GB" smtClean="0"/>
-              <a:t>10/03/2019</a:t>
+              <a:t>09/05/2019</a:t>
             </a:fld>
             <a:endParaRPr lang="en-GB"/>
           </a:p>
@@ -593,7 +593,7 @@
           <a:p>
             <a:fld id="{36BDEF28-79A5-4744-9041-CD01B9D10F50}" type="datetimeFigureOut">
               <a:rPr lang="en-GB" smtClean="0"/>
-              <a:t>10/03/2019</a:t>
+              <a:t>09/05/2019</a:t>
             </a:fld>
             <a:endParaRPr lang="en-GB"/>
           </a:p>
@@ -763,7 +763,7 @@
           <a:p>
             <a:fld id="{36BDEF28-79A5-4744-9041-CD01B9D10F50}" type="datetimeFigureOut">
               <a:rPr lang="en-GB" smtClean="0"/>
-              <a:t>10/03/2019</a:t>
+              <a:t>09/05/2019</a:t>
             </a:fld>
             <a:endParaRPr lang="en-GB"/>
           </a:p>
@@ -1009,7 +1009,7 @@
           <a:p>
             <a:fld id="{36BDEF28-79A5-4744-9041-CD01B9D10F50}" type="datetimeFigureOut">
               <a:rPr lang="en-GB" smtClean="0"/>
-              <a:t>10/03/2019</a:t>
+              <a:t>09/05/2019</a:t>
             </a:fld>
             <a:endParaRPr lang="en-GB"/>
           </a:p>
@@ -1241,7 +1241,7 @@
           <a:p>
             <a:fld id="{36BDEF28-79A5-4744-9041-CD01B9D10F50}" type="datetimeFigureOut">
               <a:rPr lang="en-GB" smtClean="0"/>
-              <a:t>10/03/2019</a:t>
+              <a:t>09/05/2019</a:t>
             </a:fld>
             <a:endParaRPr lang="en-GB"/>
           </a:p>
@@ -1608,7 +1608,7 @@
           <a:p>
             <a:fld id="{36BDEF28-79A5-4744-9041-CD01B9D10F50}" type="datetimeFigureOut">
               <a:rPr lang="en-GB" smtClean="0"/>
-              <a:t>10/03/2019</a:t>
+              <a:t>09/05/2019</a:t>
             </a:fld>
             <a:endParaRPr lang="en-GB"/>
           </a:p>
@@ -1726,7 +1726,7 @@
           <a:p>
             <a:fld id="{36BDEF28-79A5-4744-9041-CD01B9D10F50}" type="datetimeFigureOut">
               <a:rPr lang="en-GB" smtClean="0"/>
-              <a:t>10/03/2019</a:t>
+              <a:t>09/05/2019</a:t>
             </a:fld>
             <a:endParaRPr lang="en-GB"/>
           </a:p>
@@ -1821,7 +1821,7 @@
           <a:p>
             <a:fld id="{36BDEF28-79A5-4744-9041-CD01B9D10F50}" type="datetimeFigureOut">
               <a:rPr lang="en-GB" smtClean="0"/>
-              <a:t>10/03/2019</a:t>
+              <a:t>09/05/2019</a:t>
             </a:fld>
             <a:endParaRPr lang="en-GB"/>
           </a:p>
@@ -2098,7 +2098,7 @@
           <a:p>
             <a:fld id="{36BDEF28-79A5-4744-9041-CD01B9D10F50}" type="datetimeFigureOut">
               <a:rPr lang="en-GB" smtClean="0"/>
-              <a:t>10/03/2019</a:t>
+              <a:t>09/05/2019</a:t>
             </a:fld>
             <a:endParaRPr lang="en-GB"/>
           </a:p>
@@ -2351,7 +2351,7 @@
           <a:p>
             <a:fld id="{36BDEF28-79A5-4744-9041-CD01B9D10F50}" type="datetimeFigureOut">
               <a:rPr lang="en-GB" smtClean="0"/>
-              <a:t>10/03/2019</a:t>
+              <a:t>09/05/2019</a:t>
             </a:fld>
             <a:endParaRPr lang="en-GB"/>
           </a:p>
@@ -2564,7 +2564,7 @@
           <a:p>
             <a:fld id="{36BDEF28-79A5-4744-9041-CD01B9D10F50}" type="datetimeFigureOut">
               <a:rPr lang="en-GB" smtClean="0"/>
-              <a:t>10/03/2019</a:t>
+              <a:t>09/05/2019</a:t>
             </a:fld>
             <a:endParaRPr lang="en-GB"/>
           </a:p>
@@ -2991,8 +2991,8 @@
         </p:blipFill>
         <p:spPr>
           <a:xfrm>
-            <a:off x="799517" y="714156"/>
-            <a:ext cx="1909471" cy="1716106"/>
+            <a:off x="896199" y="714156"/>
+            <a:ext cx="1716106" cy="1716106"/>
           </a:xfrm>
           <a:prstGeom prst="roundRect">
             <a:avLst>
@@ -3182,7 +3182,7 @@
           <p:cNvPr id="3" name="Picture 2">
             <a:extLst>
               <a:ext uri="{FF2B5EF4-FFF2-40B4-BE49-F238E27FC236}">
-                <a16:creationId xmlns:a16="http://schemas.microsoft.com/office/drawing/2014/main" id="{AD53107F-795F-4D59-A2F2-AA7A642A5FBB}"/>
+                <a16:creationId xmlns:a16="http://schemas.microsoft.com/office/drawing/2014/main" xmlns="" id="{AD53107F-795F-4D59-A2F2-AA7A642A5FBB}"/>
               </a:ext>
             </a:extLst>
           </p:cNvPr>
@@ -3204,7 +3204,7 @@
         </p:blipFill>
         <p:spPr>
           <a:xfrm>
-            <a:off x="7542853" y="2129859"/>
+            <a:off x="7114485" y="1882724"/>
             <a:ext cx="637761" cy="1917355"/>
           </a:xfrm>
           <a:prstGeom prst="rect">
